--- a/Anomaly Detection.pptx
+++ b/Anomaly Detection.pptx
@@ -7,12 +7,16 @@
   <p:sldIdLst>
     <p:sldId id="256" r:id="rId2"/>
     <p:sldId id="257" r:id="rId3"/>
-    <p:sldId id="258" r:id="rId4"/>
-    <p:sldId id="259" r:id="rId5"/>
-    <p:sldId id="260" r:id="rId6"/>
-    <p:sldId id="261" r:id="rId7"/>
-    <p:sldId id="262" r:id="rId8"/>
-    <p:sldId id="263" r:id="rId9"/>
+    <p:sldId id="264" r:id="rId4"/>
+    <p:sldId id="265" r:id="rId5"/>
+    <p:sldId id="266" r:id="rId6"/>
+    <p:sldId id="267" r:id="rId7"/>
+    <p:sldId id="258" r:id="rId8"/>
+    <p:sldId id="259" r:id="rId9"/>
+    <p:sldId id="260" r:id="rId10"/>
+    <p:sldId id="261" r:id="rId11"/>
+    <p:sldId id="262" r:id="rId12"/>
+    <p:sldId id="263" r:id="rId13"/>
   </p:sldIdLst>
   <p:sldSz cx="12192000" cy="6858000"/>
   <p:notesSz cx="6858000" cy="9144000"/>
@@ -245,7 +249,7 @@
           <a:p>
             <a:fld id="{9106B63F-A279-4101-811E-6E9278AE130E}" type="datetimeFigureOut">
               <a:rPr lang="en-GB" smtClean="0"/>
-              <a:t>19/11/2015</a:t>
+              <a:t>11/30/15</a:t>
             </a:fld>
             <a:endParaRPr lang="en-GB"/>
           </a:p>
@@ -415,7 +419,7 @@
           <a:p>
             <a:fld id="{9106B63F-A279-4101-811E-6E9278AE130E}" type="datetimeFigureOut">
               <a:rPr lang="en-GB" smtClean="0"/>
-              <a:t>19/11/2015</a:t>
+              <a:t>11/30/15</a:t>
             </a:fld>
             <a:endParaRPr lang="en-GB"/>
           </a:p>
@@ -595,7 +599,7 @@
           <a:p>
             <a:fld id="{9106B63F-A279-4101-811E-6E9278AE130E}" type="datetimeFigureOut">
               <a:rPr lang="en-GB" smtClean="0"/>
-              <a:t>19/11/2015</a:t>
+              <a:t>11/30/15</a:t>
             </a:fld>
             <a:endParaRPr lang="en-GB"/>
           </a:p>
@@ -765,7 +769,7 @@
           <a:p>
             <a:fld id="{9106B63F-A279-4101-811E-6E9278AE130E}" type="datetimeFigureOut">
               <a:rPr lang="en-GB" smtClean="0"/>
-              <a:t>19/11/2015</a:t>
+              <a:t>11/30/15</a:t>
             </a:fld>
             <a:endParaRPr lang="en-GB"/>
           </a:p>
@@ -1011,7 +1015,7 @@
           <a:p>
             <a:fld id="{9106B63F-A279-4101-811E-6E9278AE130E}" type="datetimeFigureOut">
               <a:rPr lang="en-GB" smtClean="0"/>
-              <a:t>19/11/2015</a:t>
+              <a:t>11/30/15</a:t>
             </a:fld>
             <a:endParaRPr lang="en-GB"/>
           </a:p>
@@ -1243,7 +1247,7 @@
           <a:p>
             <a:fld id="{9106B63F-A279-4101-811E-6E9278AE130E}" type="datetimeFigureOut">
               <a:rPr lang="en-GB" smtClean="0"/>
-              <a:t>19/11/2015</a:t>
+              <a:t>11/30/15</a:t>
             </a:fld>
             <a:endParaRPr lang="en-GB"/>
           </a:p>
@@ -1610,7 +1614,7 @@
           <a:p>
             <a:fld id="{9106B63F-A279-4101-811E-6E9278AE130E}" type="datetimeFigureOut">
               <a:rPr lang="en-GB" smtClean="0"/>
-              <a:t>19/11/2015</a:t>
+              <a:t>11/30/15</a:t>
             </a:fld>
             <a:endParaRPr lang="en-GB"/>
           </a:p>
@@ -1728,7 +1732,7 @@
           <a:p>
             <a:fld id="{9106B63F-A279-4101-811E-6E9278AE130E}" type="datetimeFigureOut">
               <a:rPr lang="en-GB" smtClean="0"/>
-              <a:t>19/11/2015</a:t>
+              <a:t>11/30/15</a:t>
             </a:fld>
             <a:endParaRPr lang="en-GB"/>
           </a:p>
@@ -1823,7 +1827,7 @@
           <a:p>
             <a:fld id="{9106B63F-A279-4101-811E-6E9278AE130E}" type="datetimeFigureOut">
               <a:rPr lang="en-GB" smtClean="0"/>
-              <a:t>19/11/2015</a:t>
+              <a:t>11/30/15</a:t>
             </a:fld>
             <a:endParaRPr lang="en-GB"/>
           </a:p>
@@ -2100,7 +2104,7 @@
           <a:p>
             <a:fld id="{9106B63F-A279-4101-811E-6E9278AE130E}" type="datetimeFigureOut">
               <a:rPr lang="en-GB" smtClean="0"/>
-              <a:t>19/11/2015</a:t>
+              <a:t>11/30/15</a:t>
             </a:fld>
             <a:endParaRPr lang="en-GB"/>
           </a:p>
@@ -2353,7 +2357,7 @@
           <a:p>
             <a:fld id="{9106B63F-A279-4101-811E-6E9278AE130E}" type="datetimeFigureOut">
               <a:rPr lang="en-GB" smtClean="0"/>
-              <a:t>19/11/2015</a:t>
+              <a:t>11/30/15</a:t>
             </a:fld>
             <a:endParaRPr lang="en-GB"/>
           </a:p>
@@ -2566,7 +2570,7 @@
           <a:p>
             <a:fld id="{9106B63F-A279-4101-811E-6E9278AE130E}" type="datetimeFigureOut">
               <a:rPr lang="en-GB" smtClean="0"/>
-              <a:t>19/11/2015</a:t>
+              <a:t>11/30/15</a:t>
             </a:fld>
             <a:endParaRPr lang="en-GB"/>
           </a:p>
@@ -3090,6 +3094,222 @@
 </p:sld>
 </file>
 
+<file path=ppt/slides/slide10.xml><?xml version="1.0" encoding="utf-8"?>
+<p:sld xmlns:a="http://schemas.openxmlformats.org/drawingml/2006/main" xmlns:r="http://schemas.openxmlformats.org/officeDocument/2006/relationships" xmlns:p="http://schemas.openxmlformats.org/presentationml/2006/main">
+  <p:cSld>
+    <p:spTree>
+      <p:nvGrpSpPr>
+        <p:cNvPr id="1" name=""/>
+        <p:cNvGrpSpPr/>
+        <p:nvPr/>
+      </p:nvGrpSpPr>
+      <p:grpSpPr>
+        <a:xfrm>
+          <a:off x="0" y="0"/>
+          <a:ext cx="0" cy="0"/>
+          <a:chOff x="0" y="0"/>
+          <a:chExt cx="0" cy="0"/>
+        </a:xfrm>
+      </p:grpSpPr>
+      <p:sp>
+        <p:nvSpPr>
+          <p:cNvPr id="2" name="Title 1"/>
+          <p:cNvSpPr>
+            <a:spLocks noGrp="1"/>
+          </p:cNvSpPr>
+          <p:nvPr>
+            <p:ph type="title"/>
+          </p:nvPr>
+        </p:nvSpPr>
+        <p:spPr/>
+        <p:txBody>
+          <a:bodyPr/>
+          <a:lstStyle/>
+          <a:p>
+            <a:r>
+              <a:rPr lang="en-GB" dirty="0" smtClean="0"/>
+              <a:t>CONCEPTS INTRODUCTED</a:t>
+            </a:r>
+            <a:endParaRPr lang="en-GB" dirty="0"/>
+          </a:p>
+        </p:txBody>
+      </p:sp>
+      <p:sp>
+        <p:nvSpPr>
+          <p:cNvPr id="3" name="Content Placeholder 2"/>
+          <p:cNvSpPr>
+            <a:spLocks noGrp="1"/>
+          </p:cNvSpPr>
+          <p:nvPr>
+            <p:ph idx="1"/>
+          </p:nvPr>
+        </p:nvSpPr>
+        <p:spPr/>
+        <p:txBody>
+          <a:bodyPr/>
+          <a:lstStyle/>
+          <a:p>
+            <a:endParaRPr lang="en-GB"/>
+          </a:p>
+        </p:txBody>
+      </p:sp>
+    </p:spTree>
+    <p:extLst>
+      <p:ext uri="{BB962C8B-B14F-4D97-AF65-F5344CB8AC3E}">
+        <p14:creationId xmlns:p14="http://schemas.microsoft.com/office/powerpoint/2010/main" val="4129193504"/>
+      </p:ext>
+    </p:extLst>
+  </p:cSld>
+  <p:clrMapOvr>
+    <a:masterClrMapping/>
+  </p:clrMapOvr>
+</p:sld>
+</file>
+
+<file path=ppt/slides/slide11.xml><?xml version="1.0" encoding="utf-8"?>
+<p:sld xmlns:a="http://schemas.openxmlformats.org/drawingml/2006/main" xmlns:r="http://schemas.openxmlformats.org/officeDocument/2006/relationships" xmlns:p="http://schemas.openxmlformats.org/presentationml/2006/main">
+  <p:cSld>
+    <p:spTree>
+      <p:nvGrpSpPr>
+        <p:cNvPr id="1" name=""/>
+        <p:cNvGrpSpPr/>
+        <p:nvPr/>
+      </p:nvGrpSpPr>
+      <p:grpSpPr>
+        <a:xfrm>
+          <a:off x="0" y="0"/>
+          <a:ext cx="0" cy="0"/>
+          <a:chOff x="0" y="0"/>
+          <a:chExt cx="0" cy="0"/>
+        </a:xfrm>
+      </p:grpSpPr>
+      <p:sp>
+        <p:nvSpPr>
+          <p:cNvPr id="2" name="Title 1"/>
+          <p:cNvSpPr>
+            <a:spLocks noGrp="1"/>
+          </p:cNvSpPr>
+          <p:nvPr>
+            <p:ph type="title"/>
+          </p:nvPr>
+        </p:nvSpPr>
+        <p:spPr/>
+        <p:txBody>
+          <a:bodyPr/>
+          <a:lstStyle/>
+          <a:p>
+            <a:r>
+              <a:rPr lang="en-GB" dirty="0" smtClean="0"/>
+              <a:t>QUALITATIVE ANALYSIS</a:t>
+            </a:r>
+            <a:endParaRPr lang="en-GB" dirty="0"/>
+          </a:p>
+        </p:txBody>
+      </p:sp>
+      <p:sp>
+        <p:nvSpPr>
+          <p:cNvPr id="3" name="Content Placeholder 2"/>
+          <p:cNvSpPr>
+            <a:spLocks noGrp="1"/>
+          </p:cNvSpPr>
+          <p:nvPr>
+            <p:ph idx="1"/>
+          </p:nvPr>
+        </p:nvSpPr>
+        <p:spPr/>
+        <p:txBody>
+          <a:bodyPr/>
+          <a:lstStyle/>
+          <a:p>
+            <a:endParaRPr lang="en-GB"/>
+          </a:p>
+        </p:txBody>
+      </p:sp>
+    </p:spTree>
+    <p:extLst>
+      <p:ext uri="{BB962C8B-B14F-4D97-AF65-F5344CB8AC3E}">
+        <p14:creationId xmlns:p14="http://schemas.microsoft.com/office/powerpoint/2010/main" val="1948473828"/>
+      </p:ext>
+    </p:extLst>
+  </p:cSld>
+  <p:clrMapOvr>
+    <a:masterClrMapping/>
+  </p:clrMapOvr>
+</p:sld>
+</file>
+
+<file path=ppt/slides/slide12.xml><?xml version="1.0" encoding="utf-8"?>
+<p:sld xmlns:a="http://schemas.openxmlformats.org/drawingml/2006/main" xmlns:r="http://schemas.openxmlformats.org/officeDocument/2006/relationships" xmlns:p="http://schemas.openxmlformats.org/presentationml/2006/main">
+  <p:cSld>
+    <p:spTree>
+      <p:nvGrpSpPr>
+        <p:cNvPr id="1" name=""/>
+        <p:cNvGrpSpPr/>
+        <p:nvPr/>
+      </p:nvGrpSpPr>
+      <p:grpSpPr>
+        <a:xfrm>
+          <a:off x="0" y="0"/>
+          <a:ext cx="0" cy="0"/>
+          <a:chOff x="0" y="0"/>
+          <a:chExt cx="0" cy="0"/>
+        </a:xfrm>
+      </p:grpSpPr>
+      <p:sp>
+        <p:nvSpPr>
+          <p:cNvPr id="2" name="Title 1"/>
+          <p:cNvSpPr>
+            <a:spLocks noGrp="1"/>
+          </p:cNvSpPr>
+          <p:nvPr>
+            <p:ph type="title"/>
+          </p:nvPr>
+        </p:nvSpPr>
+        <p:spPr/>
+        <p:txBody>
+          <a:bodyPr/>
+          <a:lstStyle/>
+          <a:p>
+            <a:r>
+              <a:rPr lang="en-GB" dirty="0" smtClean="0"/>
+              <a:t>OPEN QUESTIONS AND FUTURE WORK</a:t>
+            </a:r>
+            <a:endParaRPr lang="en-GB" dirty="0"/>
+          </a:p>
+        </p:txBody>
+      </p:sp>
+      <p:sp>
+        <p:nvSpPr>
+          <p:cNvPr id="3" name="Content Placeholder 2"/>
+          <p:cNvSpPr>
+            <a:spLocks noGrp="1"/>
+          </p:cNvSpPr>
+          <p:nvPr>
+            <p:ph idx="1"/>
+          </p:nvPr>
+        </p:nvSpPr>
+        <p:spPr/>
+        <p:txBody>
+          <a:bodyPr/>
+          <a:lstStyle/>
+          <a:p>
+            <a:endParaRPr lang="en-GB"/>
+          </a:p>
+        </p:txBody>
+      </p:sp>
+    </p:spTree>
+    <p:extLst>
+      <p:ext uri="{BB962C8B-B14F-4D97-AF65-F5344CB8AC3E}">
+        <p14:creationId xmlns:p14="http://schemas.microsoft.com/office/powerpoint/2010/main" val="1725782182"/>
+      </p:ext>
+    </p:extLst>
+  </p:cSld>
+  <p:clrMapOvr>
+    <a:masterClrMapping/>
+  </p:clrMapOvr>
+</p:sld>
+</file>
+
 <file path=ppt/slides/slide2.xml><?xml version="1.0" encoding="utf-8"?>
 <p:sld xmlns:a="http://schemas.openxmlformats.org/drawingml/2006/main" xmlns:r="http://schemas.openxmlformats.org/officeDocument/2006/relationships" xmlns:p="http://schemas.openxmlformats.org/presentationml/2006/main">
   <p:cSld>
@@ -3199,10 +3419,10 @@
           <a:lstStyle/>
           <a:p>
             <a:r>
-              <a:rPr lang="en-GB" dirty="0" smtClean="0"/>
-              <a:t>ALGORITHMS CONSIDERED:</a:t>
-            </a:r>
-            <a:endParaRPr lang="en-GB" dirty="0"/>
+              <a:rPr lang="en-US" dirty="0" smtClean="0"/>
+              <a:t>Problem definition</a:t>
+            </a:r>
+            <a:endParaRPr lang="en-US" dirty="0"/>
           </a:p>
         </p:txBody>
       </p:sp>
@@ -3221,14 +3441,44 @@
           <a:bodyPr/>
           <a:lstStyle/>
           <a:p>
-            <a:endParaRPr lang="en-GB"/>
+            <a:r>
+              <a:rPr lang="en-US" dirty="0" smtClean="0"/>
+              <a:t>The identification of outliers in the data.</a:t>
+            </a:r>
+          </a:p>
+          <a:p>
+            <a:r>
+              <a:rPr lang="en-US" dirty="0" smtClean="0"/>
+              <a:t>Computer networks – DDOS attacks, Intrusion detection</a:t>
+            </a:r>
+          </a:p>
+          <a:p>
+            <a:r>
+              <a:rPr lang="en-US" dirty="0" smtClean="0"/>
+              <a:t>Financial industry – fraud detection</a:t>
+            </a:r>
+          </a:p>
+          <a:p>
+            <a:r>
+              <a:rPr lang="en-US" dirty="0" smtClean="0"/>
+              <a:t>Blah blah blah – find more examples….</a:t>
+            </a:r>
+          </a:p>
+          <a:p>
+            <a:r>
+              <a:rPr lang="en-US" dirty="0" smtClean="0"/>
+              <a:t>We chose network intrusion detection using web traffic analysis.</a:t>
+            </a:r>
+          </a:p>
+          <a:p>
+            <a:endParaRPr lang="en-US" dirty="0"/>
           </a:p>
         </p:txBody>
       </p:sp>
     </p:spTree>
     <p:extLst>
       <p:ext uri="{BB962C8B-B14F-4D97-AF65-F5344CB8AC3E}">
-        <p14:creationId xmlns:p14="http://schemas.microsoft.com/office/powerpoint/2010/main" val="919297642"/>
+        <p14:creationId xmlns:p14="http://schemas.microsoft.com/office/powerpoint/2010/main" val="2750925243"/>
       </p:ext>
     </p:extLst>
   </p:cSld>
@@ -3271,10 +3521,10 @@
           <a:lstStyle/>
           <a:p>
             <a:r>
-              <a:rPr lang="en-GB" dirty="0" smtClean="0"/>
-              <a:t>ALGORITHMS USED:</a:t>
-            </a:r>
-            <a:endParaRPr lang="en-GB" dirty="0"/>
+              <a:rPr lang="en-US" dirty="0" smtClean="0"/>
+              <a:t>The dataset</a:t>
+            </a:r>
+            <a:endParaRPr lang="en-US" dirty="0"/>
           </a:p>
         </p:txBody>
       </p:sp>
@@ -3293,14 +3543,41 @@
           <a:bodyPr/>
           <a:lstStyle/>
           <a:p>
-            <a:endParaRPr lang="en-GB"/>
+            <a:r>
+              <a:rPr lang="en-US" dirty="0" smtClean="0"/>
+              <a:t>Dataset from yahoo research – Web requests time series statistics </a:t>
+            </a:r>
+          </a:p>
+          <a:p>
+            <a:r>
+              <a:rPr lang="en-US" dirty="0" smtClean="0"/>
+              <a:t>A combination of real world and synthetic data sets.</a:t>
+            </a:r>
+          </a:p>
+          <a:p>
+            <a:r>
+              <a:rPr lang="en-US" dirty="0" smtClean="0"/>
+              <a:t>Real world data considered for the project.</a:t>
+            </a:r>
+          </a:p>
+          <a:p>
+            <a:r>
+              <a:rPr lang="en-US" dirty="0" smtClean="0"/>
+              <a:t>Data was already labeled.</a:t>
+            </a:r>
+          </a:p>
+          <a:p>
+            <a:endParaRPr lang="en-US" dirty="0" smtClean="0"/>
+          </a:p>
+          <a:p>
+            <a:endParaRPr lang="en-US" dirty="0" smtClean="0"/>
           </a:p>
         </p:txBody>
       </p:sp>
     </p:spTree>
     <p:extLst>
       <p:ext uri="{BB962C8B-B14F-4D97-AF65-F5344CB8AC3E}">
-        <p14:creationId xmlns:p14="http://schemas.microsoft.com/office/powerpoint/2010/main" val="1096375545"/>
+        <p14:creationId xmlns:p14="http://schemas.microsoft.com/office/powerpoint/2010/main" val="868888331"/>
       </p:ext>
     </p:extLst>
   </p:cSld>
@@ -3343,10 +3620,10 @@
           <a:lstStyle/>
           <a:p>
             <a:r>
-              <a:rPr lang="en-GB" dirty="0" smtClean="0"/>
-              <a:t>THEORITICAL EXPLANATION OF THE ALGORITHM</a:t>
-            </a:r>
-            <a:endParaRPr lang="en-GB" dirty="0"/>
+              <a:rPr lang="en-US" dirty="0" smtClean="0"/>
+              <a:t>Our approach</a:t>
+            </a:r>
+            <a:endParaRPr lang="en-US" dirty="0"/>
           </a:p>
         </p:txBody>
       </p:sp>
@@ -3365,14 +3642,38 @@
           <a:bodyPr/>
           <a:lstStyle/>
           <a:p>
-            <a:endParaRPr lang="en-GB"/>
+            <a:r>
+              <a:rPr lang="en-US" dirty="0" smtClean="0"/>
+              <a:t>Plot the data and observe the patterns in the data.</a:t>
+            </a:r>
+          </a:p>
+          <a:p>
+            <a:r>
+              <a:rPr lang="en-US" dirty="0" smtClean="0"/>
+              <a:t>Based on the patterns, determine the best approaches and algorithms to identify anomalies for those patterns.</a:t>
+            </a:r>
+          </a:p>
+          <a:p>
+            <a:r>
+              <a:rPr lang="en-US" dirty="0" smtClean="0"/>
+              <a:t>Divide the test data stream into a window, and classify the window data to a pattern.</a:t>
+            </a:r>
+          </a:p>
+          <a:p>
+            <a:r>
+              <a:rPr lang="en-US" dirty="0" smtClean="0"/>
+              <a:t>Based on the pattern detected, use the corresponding algorithm to detect the anomaly.</a:t>
+            </a:r>
+          </a:p>
+          <a:p>
+            <a:endParaRPr lang="en-US" dirty="0"/>
           </a:p>
         </p:txBody>
       </p:sp>
     </p:spTree>
     <p:extLst>
       <p:ext uri="{BB962C8B-B14F-4D97-AF65-F5344CB8AC3E}">
-        <p14:creationId xmlns:p14="http://schemas.microsoft.com/office/powerpoint/2010/main" val="1019275451"/>
+        <p14:creationId xmlns:p14="http://schemas.microsoft.com/office/powerpoint/2010/main" val="1576572000"/>
       </p:ext>
     </p:extLst>
   </p:cSld>
@@ -3415,10 +3716,10 @@
           <a:lstStyle/>
           <a:p>
             <a:r>
-              <a:rPr lang="en-GB" dirty="0" smtClean="0"/>
-              <a:t>CONCEPTS INTRODUCTED</a:t>
-            </a:r>
-            <a:endParaRPr lang="en-GB" dirty="0"/>
+              <a:rPr lang="en-US" dirty="0" smtClean="0"/>
+              <a:t>Patterns observed in the dataset</a:t>
+            </a:r>
+            <a:endParaRPr lang="en-US" dirty="0"/>
           </a:p>
         </p:txBody>
       </p:sp>
@@ -3437,14 +3738,30 @@
           <a:bodyPr/>
           <a:lstStyle/>
           <a:p>
-            <a:endParaRPr lang="en-GB"/>
+            <a:r>
+              <a:rPr lang="en-US" dirty="0" smtClean="0"/>
+              <a:t>Threshold based anomaly points. &lt;Show pictures&gt;</a:t>
+            </a:r>
+          </a:p>
+          <a:p>
+            <a:r>
+              <a:rPr lang="en-US" dirty="0" smtClean="0"/>
+              <a:t>Frequency based anomaly points.</a:t>
+            </a:r>
+          </a:p>
+          <a:p>
+            <a:r>
+              <a:rPr lang="en-US" dirty="0" smtClean="0"/>
+              <a:t>Sudden changes in the number of requests received.</a:t>
+            </a:r>
+            <a:endParaRPr lang="en-US" dirty="0"/>
           </a:p>
         </p:txBody>
       </p:sp>
     </p:spTree>
     <p:extLst>
       <p:ext uri="{BB962C8B-B14F-4D97-AF65-F5344CB8AC3E}">
-        <p14:creationId xmlns:p14="http://schemas.microsoft.com/office/powerpoint/2010/main" val="4129193504"/>
+        <p14:creationId xmlns:p14="http://schemas.microsoft.com/office/powerpoint/2010/main" val="2418559561"/>
       </p:ext>
     </p:extLst>
   </p:cSld>
@@ -3488,7 +3805,7 @@
           <a:p>
             <a:r>
               <a:rPr lang="en-GB" dirty="0" smtClean="0"/>
-              <a:t>QUALITATIVE ANALYSIS</a:t>
+              <a:t>ALGORITHMS CONSIDERED:</a:t>
             </a:r>
             <a:endParaRPr lang="en-GB" dirty="0"/>
           </a:p>
@@ -3516,7 +3833,7 @@
     </p:spTree>
     <p:extLst>
       <p:ext uri="{BB962C8B-B14F-4D97-AF65-F5344CB8AC3E}">
-        <p14:creationId xmlns:p14="http://schemas.microsoft.com/office/powerpoint/2010/main" val="1948473828"/>
+        <p14:creationId xmlns:p14="http://schemas.microsoft.com/office/powerpoint/2010/main" val="919297642"/>
       </p:ext>
     </p:extLst>
   </p:cSld>
@@ -3560,7 +3877,7 @@
           <a:p>
             <a:r>
               <a:rPr lang="en-GB" dirty="0" smtClean="0"/>
-              <a:t>OPEN QUESTIONS AND FUTURE WORK</a:t>
+              <a:t>ALGORITHMS USED:</a:t>
             </a:r>
             <a:endParaRPr lang="en-GB" dirty="0"/>
           </a:p>
@@ -3588,7 +3905,79 @@
     </p:spTree>
     <p:extLst>
       <p:ext uri="{BB962C8B-B14F-4D97-AF65-F5344CB8AC3E}">
-        <p14:creationId xmlns:p14="http://schemas.microsoft.com/office/powerpoint/2010/main" val="1725782182"/>
+        <p14:creationId xmlns:p14="http://schemas.microsoft.com/office/powerpoint/2010/main" val="1096375545"/>
+      </p:ext>
+    </p:extLst>
+  </p:cSld>
+  <p:clrMapOvr>
+    <a:masterClrMapping/>
+  </p:clrMapOvr>
+</p:sld>
+</file>
+
+<file path=ppt/slides/slide9.xml><?xml version="1.0" encoding="utf-8"?>
+<p:sld xmlns:a="http://schemas.openxmlformats.org/drawingml/2006/main" xmlns:r="http://schemas.openxmlformats.org/officeDocument/2006/relationships" xmlns:p="http://schemas.openxmlformats.org/presentationml/2006/main">
+  <p:cSld>
+    <p:spTree>
+      <p:nvGrpSpPr>
+        <p:cNvPr id="1" name=""/>
+        <p:cNvGrpSpPr/>
+        <p:nvPr/>
+      </p:nvGrpSpPr>
+      <p:grpSpPr>
+        <a:xfrm>
+          <a:off x="0" y="0"/>
+          <a:ext cx="0" cy="0"/>
+          <a:chOff x="0" y="0"/>
+          <a:chExt cx="0" cy="0"/>
+        </a:xfrm>
+      </p:grpSpPr>
+      <p:sp>
+        <p:nvSpPr>
+          <p:cNvPr id="2" name="Title 1"/>
+          <p:cNvSpPr>
+            <a:spLocks noGrp="1"/>
+          </p:cNvSpPr>
+          <p:nvPr>
+            <p:ph type="title"/>
+          </p:nvPr>
+        </p:nvSpPr>
+        <p:spPr/>
+        <p:txBody>
+          <a:bodyPr/>
+          <a:lstStyle/>
+          <a:p>
+            <a:r>
+              <a:rPr lang="en-GB" dirty="0" smtClean="0"/>
+              <a:t>THEORITICAL EXPLANATION OF THE ALGORITHM</a:t>
+            </a:r>
+            <a:endParaRPr lang="en-GB" dirty="0"/>
+          </a:p>
+        </p:txBody>
+      </p:sp>
+      <p:sp>
+        <p:nvSpPr>
+          <p:cNvPr id="3" name="Content Placeholder 2"/>
+          <p:cNvSpPr>
+            <a:spLocks noGrp="1"/>
+          </p:cNvSpPr>
+          <p:nvPr>
+            <p:ph idx="1"/>
+          </p:nvPr>
+        </p:nvSpPr>
+        <p:spPr/>
+        <p:txBody>
+          <a:bodyPr/>
+          <a:lstStyle/>
+          <a:p>
+            <a:endParaRPr lang="en-GB"/>
+          </a:p>
+        </p:txBody>
+      </p:sp>
+    </p:spTree>
+    <p:extLst>
+      <p:ext uri="{BB962C8B-B14F-4D97-AF65-F5344CB8AC3E}">
+        <p14:creationId xmlns:p14="http://schemas.microsoft.com/office/powerpoint/2010/main" val="1019275451"/>
       </p:ext>
     </p:extLst>
   </p:cSld>
@@ -3641,7 +4030,7 @@
     </a:clrScheme>
     <a:fontScheme name="Office">
       <a:majorFont>
-        <a:latin typeface="Calibri Light" panose="020F0302020204030204"/>
+        <a:latin typeface="Calibri Light"/>
         <a:ea typeface=""/>
         <a:cs typeface=""/>
         <a:font script="Jpan" typeface="ＭＳ Ｐゴシック"/>
@@ -3676,7 +4065,7 @@
         <a:font script="Geor" typeface="Sylfaen"/>
       </a:majorFont>
       <a:minorFont>
-        <a:latin typeface="Calibri" panose="020F0502020204030204"/>
+        <a:latin typeface="Calibri"/>
         <a:ea typeface=""/>
         <a:cs typeface=""/>
         <a:font script="Jpan" typeface="ＭＳ Ｐゴシック"/>
@@ -3853,7 +4242,7 @@
   <a:extraClrSchemeLst/>
   <a:extLst>
     <a:ext uri="{05A4C25C-085E-4340-85A3-A5531E510DB2}">
-      <thm15:themeFamily xmlns:thm15="http://schemas.microsoft.com/office/thememl/2012/main" name="Office Theme" id="{62F939B6-93AF-4DB8-9C6B-D6C7DFDC589F}" vid="{4A3C46E8-61CC-4603-A589-7422A47A8E4A}"/>
+      <thm15:themeFamily xmlns:thm15="http://schemas.microsoft.com/office/thememl/2012/main" xmlns="" name="Office Theme" id="{62F939B6-93AF-4DB8-9C6B-D6C7DFDC589F}" vid="{4A3C46E8-61CC-4603-A589-7422A47A8E4A}"/>
     </a:ext>
   </a:extLst>
 </a:theme>
